--- a/ppt/Slides_for_ER.pptx
+++ b/ppt/Slides_for_ER.pptx
@@ -109,6 +109,11 @@
       </a:defRPr>
     </a:lvl9pPr>
   </p:defaultTextStyle>
+  <p:extLst>
+    <p:ext uri="{EFAFB233-063F-42B5-8137-9DF3F51BA10A}">
+      <p15:sldGuideLst xmlns:p15="http://schemas.microsoft.com/office/powerpoint/2012/main"/>
+    </p:ext>
+  </p:extLst>
 </p:presentation>
 </file>
 
@@ -243,7 +248,7 @@
           <a:p>
             <a:fld id="{C0DF22BC-CC90-45FC-BD49-03C05BD78DBF}" type="datetimeFigureOut">
               <a:rPr lang="en-AU" smtClean="0"/>
-              <a:t>26/08/2016</a:t>
+              <a:t>1/09/2016</a:t>
             </a:fld>
             <a:endParaRPr lang="en-AU"/>
           </a:p>
@@ -413,7 +418,7 @@
           <a:p>
             <a:fld id="{C0DF22BC-CC90-45FC-BD49-03C05BD78DBF}" type="datetimeFigureOut">
               <a:rPr lang="en-AU" smtClean="0"/>
-              <a:t>26/08/2016</a:t>
+              <a:t>1/09/2016</a:t>
             </a:fld>
             <a:endParaRPr lang="en-AU"/>
           </a:p>
@@ -593,7 +598,7 @@
           <a:p>
             <a:fld id="{C0DF22BC-CC90-45FC-BD49-03C05BD78DBF}" type="datetimeFigureOut">
               <a:rPr lang="en-AU" smtClean="0"/>
-              <a:t>26/08/2016</a:t>
+              <a:t>1/09/2016</a:t>
             </a:fld>
             <a:endParaRPr lang="en-AU"/>
           </a:p>
@@ -763,7 +768,7 @@
           <a:p>
             <a:fld id="{C0DF22BC-CC90-45FC-BD49-03C05BD78DBF}" type="datetimeFigureOut">
               <a:rPr lang="en-AU" smtClean="0"/>
-              <a:t>26/08/2016</a:t>
+              <a:t>1/09/2016</a:t>
             </a:fld>
             <a:endParaRPr lang="en-AU"/>
           </a:p>
@@ -1009,7 +1014,7 @@
           <a:p>
             <a:fld id="{C0DF22BC-CC90-45FC-BD49-03C05BD78DBF}" type="datetimeFigureOut">
               <a:rPr lang="en-AU" smtClean="0"/>
-              <a:t>26/08/2016</a:t>
+              <a:t>1/09/2016</a:t>
             </a:fld>
             <a:endParaRPr lang="en-AU"/>
           </a:p>
@@ -1241,7 +1246,7 @@
           <a:p>
             <a:fld id="{C0DF22BC-CC90-45FC-BD49-03C05BD78DBF}" type="datetimeFigureOut">
               <a:rPr lang="en-AU" smtClean="0"/>
-              <a:t>26/08/2016</a:t>
+              <a:t>1/09/2016</a:t>
             </a:fld>
             <a:endParaRPr lang="en-AU"/>
           </a:p>
@@ -1608,7 +1613,7 @@
           <a:p>
             <a:fld id="{C0DF22BC-CC90-45FC-BD49-03C05BD78DBF}" type="datetimeFigureOut">
               <a:rPr lang="en-AU" smtClean="0"/>
-              <a:t>26/08/2016</a:t>
+              <a:t>1/09/2016</a:t>
             </a:fld>
             <a:endParaRPr lang="en-AU"/>
           </a:p>
@@ -1726,7 +1731,7 @@
           <a:p>
             <a:fld id="{C0DF22BC-CC90-45FC-BD49-03C05BD78DBF}" type="datetimeFigureOut">
               <a:rPr lang="en-AU" smtClean="0"/>
-              <a:t>26/08/2016</a:t>
+              <a:t>1/09/2016</a:t>
             </a:fld>
             <a:endParaRPr lang="en-AU"/>
           </a:p>
@@ -1821,7 +1826,7 @@
           <a:p>
             <a:fld id="{C0DF22BC-CC90-45FC-BD49-03C05BD78DBF}" type="datetimeFigureOut">
               <a:rPr lang="en-AU" smtClean="0"/>
-              <a:t>26/08/2016</a:t>
+              <a:t>1/09/2016</a:t>
             </a:fld>
             <a:endParaRPr lang="en-AU"/>
           </a:p>
@@ -2098,7 +2103,7 @@
           <a:p>
             <a:fld id="{C0DF22BC-CC90-45FC-BD49-03C05BD78DBF}" type="datetimeFigureOut">
               <a:rPr lang="en-AU" smtClean="0"/>
-              <a:t>26/08/2016</a:t>
+              <a:t>1/09/2016</a:t>
             </a:fld>
             <a:endParaRPr lang="en-AU"/>
           </a:p>
@@ -2351,7 +2356,7 @@
           <a:p>
             <a:fld id="{C0DF22BC-CC90-45FC-BD49-03C05BD78DBF}" type="datetimeFigureOut">
               <a:rPr lang="en-AU" smtClean="0"/>
-              <a:t>26/08/2016</a:t>
+              <a:t>1/09/2016</a:t>
             </a:fld>
             <a:endParaRPr lang="en-AU"/>
           </a:p>
@@ -2564,7 +2569,7 @@
           <a:p>
             <a:fld id="{C0DF22BC-CC90-45FC-BD49-03C05BD78DBF}" type="datetimeFigureOut">
               <a:rPr lang="en-AU" smtClean="0"/>
-              <a:t>26/08/2016</a:t>
+              <a:t>1/09/2016</a:t>
             </a:fld>
             <a:endParaRPr lang="en-AU"/>
           </a:p>
@@ -16814,7 +16819,7 @@
         <p:spPr>
           <a:xfrm>
             <a:off x="602390" y="2256459"/>
-            <a:ext cx="1800225" cy="720725"/>
+            <a:ext cx="1895015" cy="720725"/>
           </a:xfrm>
           <a:prstGeom prst="snip2SameRect">
             <a:avLst/>
@@ -16964,8 +16969,8 @@
         </p:nvSpPr>
         <p:spPr>
           <a:xfrm>
-            <a:off x="538115" y="3870934"/>
-            <a:ext cx="1928776" cy="720725"/>
+            <a:off x="538114" y="3870934"/>
+            <a:ext cx="2030335" cy="720725"/>
           </a:xfrm>
           <a:prstGeom prst="snip2SameRect">
             <a:avLst/>
@@ -17007,8 +17012,8 @@
               <a:defRPr/>
             </a:pPr>
             <a:r>
-              <a:rPr lang="en-US" dirty="0" err="1"/>
-              <a:t>SpeciesOcurrence</a:t>
+              <a:rPr lang="en-US" dirty="0" err="1" smtClean="0"/>
+              <a:t>SpeciesOccurrence</a:t>
             </a:r>
             <a:endParaRPr lang="en-AU" dirty="0"/>
           </a:p>
@@ -17026,8 +17031,8 @@
         </p:nvCxnSpPr>
         <p:spPr bwMode="auto">
           <a:xfrm flipV="1">
-            <a:off x="1502503" y="2963725"/>
-            <a:ext cx="2382594" cy="907209"/>
+            <a:off x="1553282" y="2963725"/>
+            <a:ext cx="2331815" cy="907209"/>
           </a:xfrm>
           <a:prstGeom prst="straightConnector1">
             <a:avLst/>
@@ -17061,9 +17066,9 @@
           <p:nvPr/>
         </p:nvCxnSpPr>
         <p:spPr bwMode="auto">
-          <a:xfrm flipV="1">
-            <a:off x="1502503" y="2977184"/>
-            <a:ext cx="0" cy="893750"/>
+          <a:xfrm flipH="1" flipV="1">
+            <a:off x="1549898" y="2977184"/>
+            <a:ext cx="3384" cy="893750"/>
           </a:xfrm>
           <a:prstGeom prst="straightConnector1">
             <a:avLst/>
@@ -17095,7 +17100,7 @@
         <p:spPr>
           <a:xfrm>
             <a:off x="611118" y="980905"/>
-            <a:ext cx="1800225" cy="719137"/>
+            <a:ext cx="1895015" cy="719137"/>
           </a:xfrm>
           <a:prstGeom prst="snip2SameRect">
             <a:avLst/>
@@ -17155,7 +17160,7 @@
         </p:nvCxnSpPr>
         <p:spPr bwMode="auto">
           <a:xfrm flipV="1">
-            <a:off x="1502503" y="1700042"/>
+            <a:off x="1549898" y="1700042"/>
             <a:ext cx="8728" cy="556417"/>
           </a:xfrm>
           <a:prstGeom prst="straightConnector1">
@@ -17319,7 +17324,7 @@
           </a:fontRef>
         </p:style>
         <p:txBody>
-          <a:bodyPr lIns="36000" rIns="36000" anchor="ctr"/>
+          <a:bodyPr lIns="36000" tIns="144000" rIns="36000" anchor="ctr"/>
           <a:lstStyle/>
           <a:p>
             <a:pPr algn="ctr">
@@ -17335,7 +17340,7 @@
               <a:defRPr/>
             </a:pPr>
             <a:r>
-              <a:rPr lang="en-US" dirty="0" err="1"/>
+              <a:rPr lang="en-US" dirty="0" err="1" smtClean="0"/>
               <a:t>InvasiveSpecies</a:t>
             </a:r>
             <a:endParaRPr lang="en-US" dirty="0"/>
@@ -17624,8 +17629,8 @@
         </p:nvCxnSpPr>
         <p:spPr bwMode="auto">
           <a:xfrm flipH="1" flipV="1">
-            <a:off x="2466891" y="4231297"/>
-            <a:ext cx="3392877" cy="1537235"/>
+            <a:off x="2568449" y="4231297"/>
+            <a:ext cx="3291319" cy="1537235"/>
           </a:xfrm>
           <a:prstGeom prst="straightConnector1">
             <a:avLst/>
@@ -17648,25 +17653,6 @@
           </a:extLst>
         </p:spPr>
       </p:cxnSp>
-      <p:sp>
-        <p:nvSpPr>
-          <p:cNvPr id="226" name="Title 225"/>
-          <p:cNvSpPr>
-            <a:spLocks noGrp="1"/>
-          </p:cNvSpPr>
-          <p:nvPr>
-            <p:ph type="title"/>
-          </p:nvPr>
-        </p:nvSpPr>
-        <p:spPr/>
-        <p:txBody>
-          <a:bodyPr/>
-          <a:lstStyle/>
-          <a:p>
-            <a:endParaRPr lang="en-AU"/>
-          </a:p>
-        </p:txBody>
-      </p:sp>
     </p:spTree>
     <p:extLst>
       <p:ext uri="{BB962C8B-B14F-4D97-AF65-F5344CB8AC3E}">
@@ -17697,237 +17683,6 @@
           <a:chExt cx="0" cy="0"/>
         </a:xfrm>
       </p:grpSpPr>
-      <p:sp>
-        <p:nvSpPr>
-          <p:cNvPr id="2" name="Title 1"/>
-          <p:cNvSpPr>
-            <a:spLocks noGrp="1"/>
-          </p:cNvSpPr>
-          <p:nvPr>
-            <p:ph type="title"/>
-          </p:nvPr>
-        </p:nvSpPr>
-        <p:spPr>
-          <a:xfrm>
-            <a:off x="538683" y="479336"/>
-            <a:ext cx="10515600" cy="1325563"/>
-          </a:xfrm>
-        </p:spPr>
-        <p:txBody>
-          <a:bodyPr/>
-          <a:lstStyle/>
-          <a:p>
-            <a:pPr algn="ctr"/>
-            <a:r>
-              <a:rPr lang="en-US" dirty="0"/>
-              <a:t>Polymorphism</a:t>
-            </a:r>
-            <a:endParaRPr lang="en-AU" dirty="0"/>
-          </a:p>
-        </p:txBody>
-      </p:sp>
-      <p:pic>
-        <p:nvPicPr>
-          <p:cNvPr id="1026" name="Picture 2" descr="Image result for lighthouse air obstruction"/>
-          <p:cNvPicPr>
-            <a:picLocks noChangeAspect="1" noChangeArrowheads="1"/>
-          </p:cNvPicPr>
-          <p:nvPr/>
-        </p:nvPicPr>
-        <p:blipFill>
-          <a:blip r:embed="rId2">
-            <a:extLst>
-              <a:ext uri="{28A0092B-C50C-407E-A947-70E740481C1C}">
-                <a14:useLocalDpi xmlns:a14="http://schemas.microsoft.com/office/drawing/2010/main" val="0"/>
-              </a:ext>
-            </a:extLst>
-          </a:blip>
-          <a:srcRect/>
-          <a:stretch>
-            <a:fillRect/>
-          </a:stretch>
-        </p:blipFill>
-        <p:spPr bwMode="auto">
-          <a:xfrm>
-            <a:off x="3841515" y="4386685"/>
-            <a:ext cx="2381250" cy="1924051"/>
-          </a:xfrm>
-          <a:prstGeom prst="rect">
-            <a:avLst/>
-          </a:prstGeom>
-          <a:noFill/>
-          <a:extLst>
-            <a:ext uri="{909E8E84-426E-40DD-AFC4-6F175D3DCCD1}">
-              <a14:hiddenFill xmlns:a14="http://schemas.microsoft.com/office/drawing/2010/main">
-                <a:solidFill>
-                  <a:srgbClr val="FFFFFF"/>
-                </a:solidFill>
-              </a14:hiddenFill>
-            </a:ext>
-          </a:extLst>
-        </p:spPr>
-      </p:pic>
-      <p:grpSp>
-        <p:nvGrpSpPr>
-          <p:cNvPr id="10" name="Group 9"/>
-          <p:cNvGrpSpPr/>
-          <p:nvPr/>
-        </p:nvGrpSpPr>
-        <p:grpSpPr>
-          <a:xfrm>
-            <a:off x="6419335" y="2296566"/>
-            <a:ext cx="2517913" cy="1033670"/>
-            <a:chOff x="7195929" y="3008243"/>
-            <a:chExt cx="2517913" cy="1033670"/>
-          </a:xfrm>
-        </p:grpSpPr>
-        <p:sp>
-          <p:nvSpPr>
-            <p:cNvPr id="5" name="Rectangle 4"/>
-            <p:cNvSpPr/>
-            <p:nvPr/>
-          </p:nvSpPr>
-          <p:spPr>
-            <a:xfrm>
-              <a:off x="7195929" y="3008243"/>
-              <a:ext cx="2517913" cy="1033670"/>
-            </a:xfrm>
-            <a:prstGeom prst="rect">
-              <a:avLst/>
-            </a:prstGeom>
-            <a:ln>
-              <a:solidFill>
-                <a:schemeClr val="accent1">
-                  <a:lumMod val="40000"/>
-                  <a:lumOff val="60000"/>
-                </a:schemeClr>
-              </a:solidFill>
-            </a:ln>
-          </p:spPr>
-          <p:style>
-            <a:lnRef idx="2">
-              <a:schemeClr val="accent1">
-                <a:shade val="50000"/>
-              </a:schemeClr>
-            </a:lnRef>
-            <a:fillRef idx="1">
-              <a:schemeClr val="accent1"/>
-            </a:fillRef>
-            <a:effectRef idx="0">
-              <a:schemeClr val="accent1"/>
-            </a:effectRef>
-            <a:fontRef idx="minor">
-              <a:schemeClr val="lt1"/>
-            </a:fontRef>
-          </p:style>
-          <p:txBody>
-            <a:bodyPr rtlCol="0" anchor="ctr"/>
-            <a:lstStyle/>
-            <a:p>
-              <a:pPr algn="ctr"/>
-              <a:r>
-                <a:rPr lang="en-US" dirty="0" err="1">
-                  <a:solidFill>
-                    <a:schemeClr val="tx1"/>
-                  </a:solidFill>
-                </a:rPr>
-                <a:t>NavigationBeacon</a:t>
-              </a:r>
-              <a:endParaRPr lang="en-US" dirty="0">
-                <a:solidFill>
-                  <a:schemeClr val="tx1"/>
-                </a:solidFill>
-              </a:endParaRPr>
-            </a:p>
-            <a:p>
-              <a:r>
-                <a:rPr lang="en-US" dirty="0" err="1">
-                  <a:solidFill>
-                    <a:schemeClr val="tx1"/>
-                  </a:solidFill>
-                </a:rPr>
-                <a:t>Colour</a:t>
-              </a:r>
-              <a:r>
-                <a:rPr lang="en-US" dirty="0">
-                  <a:solidFill>
-                    <a:schemeClr val="tx1"/>
-                  </a:solidFill>
-                </a:rPr>
-                <a:t>:[code]</a:t>
-              </a:r>
-            </a:p>
-            <a:p>
-              <a:r>
-                <a:rPr lang="en-US" dirty="0" err="1">
-                  <a:solidFill>
-                    <a:schemeClr val="tx1"/>
-                  </a:solidFill>
-                </a:rPr>
-                <a:t>Flashing:boolean</a:t>
-              </a:r>
-              <a:endParaRPr lang="en-AU" dirty="0">
-                <a:solidFill>
-                  <a:schemeClr val="tx1"/>
-                </a:solidFill>
-              </a:endParaRPr>
-            </a:p>
-          </p:txBody>
-        </p:sp>
-        <p:sp>
-          <p:nvSpPr>
-            <p:cNvPr id="6" name="Rectangle 5"/>
-            <p:cNvSpPr/>
-            <p:nvPr/>
-          </p:nvSpPr>
-          <p:spPr>
-            <a:xfrm>
-              <a:off x="7195929" y="3008243"/>
-              <a:ext cx="2517913" cy="397566"/>
-            </a:xfrm>
-            <a:prstGeom prst="rect">
-              <a:avLst/>
-            </a:prstGeom>
-            <a:noFill/>
-            <a:ln>
-              <a:solidFill>
-                <a:schemeClr val="accent1">
-                  <a:lumMod val="40000"/>
-                  <a:lumOff val="60000"/>
-                </a:schemeClr>
-              </a:solidFill>
-            </a:ln>
-          </p:spPr>
-          <p:style>
-            <a:lnRef idx="2">
-              <a:schemeClr val="accent1">
-                <a:shade val="50000"/>
-              </a:schemeClr>
-            </a:lnRef>
-            <a:fillRef idx="1">
-              <a:schemeClr val="accent1"/>
-            </a:fillRef>
-            <a:effectRef idx="0">
-              <a:schemeClr val="accent1"/>
-            </a:effectRef>
-            <a:fontRef idx="minor">
-              <a:schemeClr val="lt1"/>
-            </a:fontRef>
-          </p:style>
-          <p:txBody>
-            <a:bodyPr rtlCol="0" anchor="ctr"/>
-            <a:lstStyle/>
-            <a:p>
-              <a:pPr algn="ctr"/>
-              <a:endParaRPr lang="en-AU">
-                <a:solidFill>
-                  <a:schemeClr val="tx1"/>
-                </a:solidFill>
-              </a:endParaRPr>
-            </a:p>
-          </p:txBody>
-        </p:sp>
-      </p:grpSp>
       <p:grpSp>
         <p:nvGrpSpPr>
           <p:cNvPr id="7" name="Group 6"/>
@@ -17936,8 +17691,8 @@
         </p:nvGrpSpPr>
         <p:grpSpPr>
           <a:xfrm>
-            <a:off x="1946454" y="2296566"/>
-            <a:ext cx="2517913" cy="1033670"/>
+            <a:off x="1826533" y="1804899"/>
+            <a:ext cx="2517913" cy="1159886"/>
             <a:chOff x="3796746" y="2680878"/>
             <a:chExt cx="2517913" cy="1033670"/>
           </a:xfrm>
@@ -17956,29 +17711,20 @@
             <a:prstGeom prst="rect">
               <a:avLst/>
             </a:prstGeom>
-            <a:ln>
-              <a:solidFill>
-                <a:schemeClr val="accent1">
-                  <a:lumMod val="40000"/>
-                  <a:lumOff val="60000"/>
-                </a:schemeClr>
-              </a:solidFill>
-            </a:ln>
+            <a:ln/>
           </p:spPr>
           <p:style>
             <a:lnRef idx="2">
-              <a:schemeClr val="accent1">
-                <a:shade val="50000"/>
-              </a:schemeClr>
+              <a:schemeClr val="accent1"/>
             </a:lnRef>
             <a:fillRef idx="1">
-              <a:schemeClr val="accent1"/>
+              <a:schemeClr val="lt1"/>
             </a:fillRef>
             <a:effectRef idx="0">
               <a:schemeClr val="accent1"/>
             </a:effectRef>
             <a:fontRef idx="minor">
-              <a:schemeClr val="lt1"/>
+              <a:schemeClr val="dk1"/>
             </a:fontRef>
           </p:style>
           <p:txBody>
@@ -18001,13 +17747,28 @@
               </a:endParaRPr>
             </a:p>
             <a:p>
+              <a:endParaRPr lang="en-US" dirty="0" smtClean="0">
+                <a:solidFill>
+                  <a:schemeClr val="tx1"/>
+                </a:solidFill>
+              </a:endParaRPr>
+            </a:p>
+            <a:p>
+              <a:r>
+                <a:rPr lang="en-US" dirty="0" smtClean="0">
+                  <a:solidFill>
+                    <a:schemeClr val="tx1"/>
+                  </a:solidFill>
+                </a:rPr>
+                <a:t>Height</a:t>
+              </a:r>
               <a:r>
                 <a:rPr lang="en-US" dirty="0">
                   <a:solidFill>
                     <a:schemeClr val="tx1"/>
                   </a:solidFill>
                 </a:rPr>
-                <a:t>Height: float</a:t>
+                <a:t>: float</a:t>
               </a:r>
             </a:p>
             <a:p>
@@ -18033,30 +17794,114 @@
             <a:prstGeom prst="rect">
               <a:avLst/>
             </a:prstGeom>
-            <a:noFill/>
-            <a:ln>
-              <a:solidFill>
-                <a:schemeClr val="accent1">
-                  <a:lumMod val="40000"/>
-                  <a:lumOff val="60000"/>
-                </a:schemeClr>
-              </a:solidFill>
-            </a:ln>
+            <a:ln/>
           </p:spPr>
           <p:style>
             <a:lnRef idx="2">
-              <a:schemeClr val="accent1">
-                <a:shade val="50000"/>
-              </a:schemeClr>
+              <a:schemeClr val="accent1"/>
             </a:lnRef>
             <a:fillRef idx="1">
-              <a:schemeClr val="accent1"/>
+              <a:schemeClr val="lt1"/>
             </a:fillRef>
             <a:effectRef idx="0">
               <a:schemeClr val="accent1"/>
             </a:effectRef>
             <a:fontRef idx="minor">
+              <a:schemeClr val="dk1"/>
+            </a:fontRef>
+          </p:style>
+          <p:txBody>
+            <a:bodyPr rtlCol="0" anchor="ctr"/>
+            <a:lstStyle/>
+            <a:p>
+              <a:r>
+                <a:rPr lang="en-AU" dirty="0" smtClean="0">
+                  <a:solidFill>
+                    <a:schemeClr val="tx1"/>
+                  </a:solidFill>
+                </a:rPr>
+                <a:t>Airspace: obstruction</a:t>
+              </a:r>
+              <a:endParaRPr lang="en-AU" dirty="0">
+                <a:solidFill>
+                  <a:schemeClr val="tx1"/>
+                </a:solidFill>
+              </a:endParaRPr>
+            </a:p>
+          </p:txBody>
+        </p:sp>
+      </p:grpSp>
+      <p:sp>
+        <p:nvSpPr>
+          <p:cNvPr id="2" name="Title 1"/>
+          <p:cNvSpPr>
+            <a:spLocks noGrp="1"/>
+          </p:cNvSpPr>
+          <p:nvPr>
+            <p:ph type="title"/>
+          </p:nvPr>
+        </p:nvSpPr>
+        <p:spPr>
+          <a:xfrm>
+            <a:off x="1826533" y="944380"/>
+            <a:ext cx="6408327" cy="860519"/>
+          </a:xfrm>
+        </p:spPr>
+        <p:txBody>
+          <a:bodyPr/>
+          <a:lstStyle/>
+          <a:p>
+            <a:pPr algn="ctr"/>
+            <a:r>
+              <a:rPr lang="en-US" dirty="0"/>
+              <a:t>Polymorphism</a:t>
+            </a:r>
+            <a:endParaRPr lang="en-AU" dirty="0"/>
+          </a:p>
+        </p:txBody>
+      </p:sp>
+      <p:grpSp>
+        <p:nvGrpSpPr>
+          <p:cNvPr id="10" name="Group 9"/>
+          <p:cNvGrpSpPr/>
+          <p:nvPr/>
+        </p:nvGrpSpPr>
+        <p:grpSpPr>
+          <a:xfrm>
+            <a:off x="5716947" y="1804899"/>
+            <a:ext cx="2517913" cy="1159886"/>
+            <a:chOff x="7195929" y="3008243"/>
+            <a:chExt cx="2517913" cy="1033670"/>
+          </a:xfrm>
+        </p:grpSpPr>
+        <p:sp>
+          <p:nvSpPr>
+            <p:cNvPr id="5" name="Rectangle 4"/>
+            <p:cNvSpPr/>
+            <p:nvPr/>
+          </p:nvSpPr>
+          <p:spPr>
+            <a:xfrm>
+              <a:off x="7195929" y="3008243"/>
+              <a:ext cx="2517913" cy="1033670"/>
+            </a:xfrm>
+            <a:prstGeom prst="rect">
+              <a:avLst/>
+            </a:prstGeom>
+            <a:ln/>
+          </p:spPr>
+          <p:style>
+            <a:lnRef idx="2">
+              <a:schemeClr val="accent1"/>
+            </a:lnRef>
+            <a:fillRef idx="1">
               <a:schemeClr val="lt1"/>
+            </a:fillRef>
+            <a:effectRef idx="0">
+              <a:schemeClr val="accent1"/>
+            </a:effectRef>
+            <a:fontRef idx="minor">
+              <a:schemeClr val="dk1"/>
             </a:fontRef>
           </p:style>
           <p:txBody>
@@ -18064,7 +17909,105 @@
             <a:lstStyle/>
             <a:p>
               <a:pPr algn="ctr"/>
-              <a:endParaRPr lang="en-AU">
+              <a:r>
+                <a:rPr lang="en-US" dirty="0" err="1">
+                  <a:solidFill>
+                    <a:schemeClr val="tx1"/>
+                  </a:solidFill>
+                </a:rPr>
+                <a:t>NavigationBeacon</a:t>
+              </a:r>
+              <a:endParaRPr lang="en-US" dirty="0">
+                <a:solidFill>
+                  <a:schemeClr val="tx1"/>
+                </a:solidFill>
+              </a:endParaRPr>
+            </a:p>
+            <a:p>
+              <a:endParaRPr lang="en-US" dirty="0" smtClean="0">
+                <a:solidFill>
+                  <a:schemeClr val="tx1"/>
+                </a:solidFill>
+              </a:endParaRPr>
+            </a:p>
+            <a:p>
+              <a:r>
+                <a:rPr lang="en-US" dirty="0" smtClean="0">
+                  <a:solidFill>
+                    <a:schemeClr val="tx1"/>
+                  </a:solidFill>
+                </a:rPr>
+                <a:t>Color:[</a:t>
+              </a:r>
+              <a:r>
+                <a:rPr lang="en-US" dirty="0">
+                  <a:solidFill>
+                    <a:schemeClr val="tx1"/>
+                  </a:solidFill>
+                </a:rPr>
+                <a:t>code]</a:t>
+              </a:r>
+            </a:p>
+            <a:p>
+              <a:r>
+                <a:rPr lang="en-US" dirty="0" smtClean="0">
+                  <a:solidFill>
+                    <a:schemeClr val="tx1"/>
+                  </a:solidFill>
+                </a:rPr>
+                <a:t>Flashing: Boolean</a:t>
+              </a:r>
+              <a:endParaRPr lang="en-AU" dirty="0">
+                <a:solidFill>
+                  <a:schemeClr val="tx1"/>
+                </a:solidFill>
+              </a:endParaRPr>
+            </a:p>
+          </p:txBody>
+        </p:sp>
+        <p:sp>
+          <p:nvSpPr>
+            <p:cNvPr id="6" name="Rectangle 5"/>
+            <p:cNvSpPr/>
+            <p:nvPr/>
+          </p:nvSpPr>
+          <p:spPr>
+            <a:xfrm>
+              <a:off x="7195929" y="3008243"/>
+              <a:ext cx="2517913" cy="397566"/>
+            </a:xfrm>
+            <a:prstGeom prst="rect">
+              <a:avLst/>
+            </a:prstGeom>
+            <a:ln/>
+          </p:spPr>
+          <p:style>
+            <a:lnRef idx="2">
+              <a:schemeClr val="accent1"/>
+            </a:lnRef>
+            <a:fillRef idx="1">
+              <a:schemeClr val="lt1"/>
+            </a:fillRef>
+            <a:effectRef idx="0">
+              <a:schemeClr val="accent1"/>
+            </a:effectRef>
+            <a:fontRef idx="minor">
+              <a:schemeClr val="dk1"/>
+            </a:fontRef>
+          </p:style>
+          <p:txBody>
+            <a:bodyPr rtlCol="0" anchor="ctr"/>
+            <a:lstStyle/>
+            <a:p>
+              <a:r>
+                <a:rPr lang="en-AU" dirty="0" smtClean="0">
+                  <a:solidFill>
+                    <a:schemeClr val="tx1"/>
+                  </a:solidFill>
+                </a:rPr>
+                <a:t>Navigation: beacon</a:t>
+              </a:r>
+              <a:endParaRPr lang="en-AU" dirty="0">
                 <a:solidFill>
                   <a:schemeClr val="tx1"/>
                 </a:solidFill>
@@ -18081,12 +18024,18 @@
         </p:nvSpPr>
         <p:spPr>
           <a:xfrm rot="13056234">
-            <a:off x="6096000" y="3233530"/>
-            <a:ext cx="503583" cy="1153155"/>
+            <a:off x="6052005" y="2865657"/>
+            <a:ext cx="503583" cy="1809933"/>
           </a:xfrm>
           <a:prstGeom prst="downArrow">
             <a:avLst/>
           </a:prstGeom>
+          <a:noFill/>
+          <a:ln>
+            <a:solidFill>
+              <a:schemeClr val="accent1"/>
+            </a:solidFill>
+          </a:ln>
         </p:spPr>
         <p:style>
           <a:lnRef idx="2">
@@ -18121,12 +18070,18 @@
         </p:nvSpPr>
         <p:spPr>
           <a:xfrm rot="8577923">
-            <a:off x="3278298" y="3268327"/>
-            <a:ext cx="503583" cy="1184140"/>
+            <a:off x="3423981" y="2885563"/>
+            <a:ext cx="503583" cy="1646900"/>
           </a:xfrm>
           <a:prstGeom prst="downArrow">
             <a:avLst/>
           </a:prstGeom>
+          <a:noFill/>
+          <a:ln>
+            <a:solidFill>
+              <a:schemeClr val="accent1"/>
+            </a:solidFill>
+          </a:ln>
         </p:spPr>
         <p:style>
           <a:lnRef idx="2">
@@ -18161,7 +18116,7 @@
         </p:nvGrpSpPr>
         <p:grpSpPr>
           <a:xfrm>
-            <a:off x="7678291" y="4571351"/>
+            <a:off x="7192251" y="3993017"/>
             <a:ext cx="2517913" cy="1844738"/>
             <a:chOff x="7195929" y="3008243"/>
             <a:chExt cx="2517913" cy="1033670"/>
@@ -18181,44 +18136,28 @@
             <a:prstGeom prst="rect">
               <a:avLst/>
             </a:prstGeom>
-            <a:solidFill>
-              <a:schemeClr val="accent4">
-                <a:lumMod val="60000"/>
-                <a:lumOff val="40000"/>
-              </a:schemeClr>
-            </a:solidFill>
-            <a:ln>
-              <a:solidFill>
-                <a:schemeClr val="accent1">
-                  <a:lumMod val="40000"/>
-                  <a:lumOff val="60000"/>
-                </a:schemeClr>
-              </a:solidFill>
-            </a:ln>
+            <a:ln/>
           </p:spPr>
           <p:style>
             <a:lnRef idx="2">
-              <a:schemeClr val="accent1">
-                <a:shade val="50000"/>
-              </a:schemeClr>
+              <a:schemeClr val="accent2"/>
             </a:lnRef>
             <a:fillRef idx="1">
-              <a:schemeClr val="accent1"/>
+              <a:schemeClr val="lt1"/>
             </a:fillRef>
             <a:effectRef idx="0">
-              <a:schemeClr val="accent1"/>
+              <a:schemeClr val="accent2"/>
             </a:effectRef>
             <a:fontRef idx="minor">
-              <a:schemeClr val="lt1"/>
+              <a:schemeClr val="dk1"/>
             </a:fontRef>
           </p:style>
           <p:txBody>
             <a:bodyPr rtlCol="0" anchor="ctr"/>
             <a:lstStyle/>
             <a:p>
-              <a:pPr algn="ctr"/>
               <a:r>
-                <a:rPr lang="en-US" dirty="0" err="1">
+                <a:rPr lang="en-US" b="1" dirty="0" err="1">
                   <a:solidFill>
                     <a:schemeClr val="tx1"/>
                   </a:solidFill>
@@ -18226,7 +18165,7 @@
                 <a:t>JollyRock</a:t>
               </a:r>
               <a:r>
-                <a:rPr lang="en-US" dirty="0">
+                <a:rPr lang="en-US" b="1" dirty="0">
                   <a:solidFill>
                     <a:schemeClr val="tx1"/>
                   </a:solidFill>
@@ -18235,13 +18174,20 @@
               </a:r>
             </a:p>
             <a:p>
+              <a:endParaRPr lang="en-US" dirty="0" smtClean="0">
+                <a:solidFill>
+                  <a:schemeClr val="tx1"/>
+                </a:solidFill>
+              </a:endParaRPr>
+            </a:p>
+            <a:p>
               <a:r>
-                <a:rPr lang="en-US" dirty="0" err="1">
+                <a:rPr lang="en-US" dirty="0" smtClean="0">
                   <a:solidFill>
                     <a:schemeClr val="tx1"/>
                   </a:solidFill>
                 </a:rPr>
-                <a:t>Colour</a:t>
+                <a:t>Color = [</a:t>
               </a:r>
               <a:r>
                 <a:rPr lang="en-US" dirty="0">
@@ -18249,7 +18195,7 @@
                     <a:schemeClr val="tx1"/>
                   </a:solidFill>
                 </a:rPr>
-                <a:t>=[white, red]</a:t>
+                <a:t>white, red]</a:t>
               </a:r>
             </a:p>
             <a:p>
@@ -18293,38 +18239,43 @@
             <a:prstGeom prst="rect">
               <a:avLst/>
             </a:prstGeom>
-            <a:noFill/>
-            <a:ln>
-              <a:solidFill>
-                <a:schemeClr val="accent1">
-                  <a:lumMod val="40000"/>
-                  <a:lumOff val="60000"/>
-                </a:schemeClr>
-              </a:solidFill>
-            </a:ln>
+            <a:ln/>
           </p:spPr>
           <p:style>
             <a:lnRef idx="2">
-              <a:schemeClr val="accent1">
-                <a:shade val="50000"/>
-              </a:schemeClr>
+              <a:schemeClr val="accent2"/>
             </a:lnRef>
             <a:fillRef idx="1">
-              <a:schemeClr val="accent1"/>
+              <a:schemeClr val="lt1"/>
             </a:fillRef>
             <a:effectRef idx="0">
-              <a:schemeClr val="accent1"/>
+              <a:schemeClr val="accent2"/>
             </a:effectRef>
             <a:fontRef idx="minor">
-              <a:schemeClr val="lt1"/>
+              <a:schemeClr val="dk1"/>
             </a:fontRef>
           </p:style>
           <p:txBody>
             <a:bodyPr rtlCol="0" anchor="ctr"/>
             <a:lstStyle/>
             <a:p>
-              <a:pPr algn="ctr"/>
-              <a:endParaRPr lang="en-AU">
+              <a:r>
+                <a:rPr lang="en-AU" b="1" dirty="0" err="1" smtClean="0">
+                  <a:solidFill>
+                    <a:schemeClr val="tx1"/>
+                  </a:solidFill>
+                </a:rPr>
+                <a:t>JollyRock</a:t>
+              </a:r>
+              <a:r>
+                <a:rPr lang="en-AU" b="1" dirty="0" smtClean="0">
+                  <a:solidFill>
+                    <a:schemeClr val="tx1"/>
+                  </a:solidFill>
+                </a:rPr>
+                <a:t> Lighthouse</a:t>
+              </a:r>
+              <a:endParaRPr lang="en-AU" b="1" dirty="0">
                 <a:solidFill>
                   <a:schemeClr val="tx1"/>
                 </a:solidFill>
@@ -18341,8 +18292,8 @@
         </p:nvSpPr>
         <p:spPr>
           <a:xfrm>
-            <a:off x="7370150" y="4202019"/>
-            <a:ext cx="3347648" cy="369332"/>
+            <a:off x="7203995" y="3334286"/>
+            <a:ext cx="2406428" cy="584775"/>
           </a:xfrm>
           <a:prstGeom prst="rect">
             <a:avLst/>
@@ -18356,13 +18307,93 @@
           <a:lstStyle/>
           <a:p>
             <a:r>
-              <a:rPr lang="en-US" dirty="0"/>
-              <a:t>Instance conforms to both classes</a:t>
+              <a:rPr lang="en-US" sz="1600" dirty="0">
+                <a:latin typeface="Courier" charset="0"/>
+                <a:ea typeface="Courier" charset="0"/>
+                <a:cs typeface="Courier" charset="0"/>
+              </a:rPr>
+              <a:t>Instance conforms </a:t>
             </a:r>
-            <a:endParaRPr lang="en-AU" dirty="0"/>
+            <a:endParaRPr lang="en-US" sz="1600" dirty="0" smtClean="0">
+              <a:latin typeface="Courier" charset="0"/>
+              <a:ea typeface="Courier" charset="0"/>
+              <a:cs typeface="Courier" charset="0"/>
+            </a:endParaRPr>
+          </a:p>
+          <a:p>
+            <a:r>
+              <a:rPr lang="en-US" sz="1600" dirty="0" smtClean="0">
+                <a:latin typeface="Courier" charset="0"/>
+                <a:ea typeface="Courier" charset="0"/>
+                <a:cs typeface="Courier" charset="0"/>
+              </a:rPr>
+              <a:t>to </a:t>
+            </a:r>
+            <a:r>
+              <a:rPr lang="en-US" sz="1600" dirty="0">
+                <a:latin typeface="Courier" charset="0"/>
+                <a:ea typeface="Courier" charset="0"/>
+                <a:cs typeface="Courier" charset="0"/>
+              </a:rPr>
+              <a:t>both </a:t>
+            </a:r>
+            <a:r>
+              <a:rPr lang="en-US" sz="1600" dirty="0" smtClean="0">
+                <a:latin typeface="Courier" charset="0"/>
+                <a:ea typeface="Courier" charset="0"/>
+                <a:cs typeface="Courier" charset="0"/>
+              </a:rPr>
+              <a:t>classes:</a:t>
+            </a:r>
+            <a:endParaRPr lang="en-AU" sz="1600" dirty="0">
+              <a:latin typeface="Courier" charset="0"/>
+              <a:ea typeface="Courier" charset="0"/>
+              <a:cs typeface="Courier" charset="0"/>
+            </a:endParaRPr>
           </a:p>
         </p:txBody>
       </p:sp>
+      <p:pic>
+        <p:nvPicPr>
+          <p:cNvPr id="1026" name="Picture 2" descr="Image result for lighthouse air obstruction"/>
+          <p:cNvPicPr>
+            <a:picLocks noChangeAspect="1" noChangeArrowheads="1"/>
+          </p:cNvPicPr>
+          <p:nvPr/>
+        </p:nvPicPr>
+        <p:blipFill>
+          <a:blip r:embed="rId2">
+            <a:extLst>
+              <a:ext uri="{28A0092B-C50C-407E-A947-70E740481C1C}">
+                <a14:useLocalDpi xmlns:a14="http://schemas.microsoft.com/office/drawing/2010/main" val="0"/>
+              </a:ext>
+            </a:extLst>
+          </a:blip>
+          <a:srcRect/>
+          <a:stretch>
+            <a:fillRect/>
+          </a:stretch>
+        </p:blipFill>
+        <p:spPr bwMode="auto">
+          <a:xfrm>
+            <a:off x="3826525" y="3895018"/>
+            <a:ext cx="2381250" cy="1924051"/>
+          </a:xfrm>
+          <a:prstGeom prst="rect">
+            <a:avLst/>
+          </a:prstGeom>
+          <a:noFill/>
+          <a:extLst>
+            <a:ext uri="{909E8E84-426E-40DD-AFC4-6F175D3DCCD1}">
+              <a14:hiddenFill xmlns:a14="http://schemas.microsoft.com/office/drawing/2010/main">
+                <a:solidFill>
+                  <a:srgbClr val="FFFFFF"/>
+                </a:solidFill>
+              </a14:hiddenFill>
+            </a:ext>
+          </a:extLst>
+        </p:spPr>
+      </p:pic>
     </p:spTree>
     <p:extLst>
       <p:ext uri="{BB962C8B-B14F-4D97-AF65-F5344CB8AC3E}">
